--- a/Presentacion Proyecto .pptx
+++ b/Presentacion Proyecto .pptx
@@ -3081,7 +3081,7 @@
         </p:blipFill>
         <p:spPr>
           <a:xfrm>
-            <a:off x="701748" y="6158023"/>
+            <a:off x="272257" y="6158023"/>
             <a:ext cx="435935" cy="435935"/>
           </a:xfrm>
           <a:prstGeom prst="rect">
@@ -3118,7 +3118,7 @@
         </p:blipFill>
         <p:spPr>
           <a:xfrm>
-            <a:off x="1222743" y="6175743"/>
+            <a:off x="8266898" y="6164300"/>
             <a:ext cx="435935" cy="435935"/>
           </a:xfrm>
           <a:prstGeom prst="rect">
@@ -3142,7 +3142,7 @@
         </p:nvSpPr>
         <p:spPr>
           <a:xfrm>
-            <a:off x="1440710" y="6375990"/>
+            <a:off x="502255" y="6407888"/>
             <a:ext cx="2232837" cy="372140"/>
           </a:xfrm>
           <a:prstGeom prst="rect">
@@ -3354,8 +3354,8 @@
         </p:blipFill>
         <p:spPr>
           <a:xfrm>
-            <a:off x="9494483" y="5276387"/>
-            <a:ext cx="2347034" cy="1285875"/>
+            <a:off x="10201065" y="5596303"/>
+            <a:ext cx="1820963" cy="997655"/>
           </a:xfrm>
           <a:prstGeom prst="rect">
             <a:avLst/>
@@ -3377,8 +3377,44 @@
         </p:nvSpPr>
         <p:spPr>
           <a:xfrm>
-            <a:off x="8121524" y="6274042"/>
-            <a:ext cx="1372959" cy="319916"/>
+            <a:off x="6594068" y="6369223"/>
+            <a:ext cx="1695691" cy="307777"/>
+          </a:xfrm>
+          <a:prstGeom prst="rect">
+            <a:avLst/>
+          </a:prstGeom>
+          <a:noFill/>
+        </p:spPr>
+        <p:txBody>
+          <a:bodyPr wrap="square" rtlCol="0">
+            <a:spAutoFit/>
+          </a:bodyPr>
+          <a:lstStyle/>
+          <a:p>
+            <a:r>
+              <a:rPr lang="es-ES" sz="1400" dirty="0"/>
+              <a:t>Repositorio Github</a:t>
+            </a:r>
+          </a:p>
+        </p:txBody>
+      </p:sp>
+      <p:sp>
+        <p:nvSpPr>
+          <p:cNvPr id="4" name="CuadroTexto 3">
+            <a:hlinkClick r:id="rId6"/>
+            <a:extLst>
+              <a:ext uri="{FF2B5EF4-FFF2-40B4-BE49-F238E27FC236}">
+                <a16:creationId xmlns:a16="http://schemas.microsoft.com/office/drawing/2014/main" id="{5B47640A-02B6-1DF5-A68A-80D94515FB6B}"/>
+              </a:ext>
+            </a:extLst>
+          </p:cNvPr>
+          <p:cNvSpPr txBox="1"/>
+          <p:nvPr/>
+        </p:nvSpPr>
+        <p:spPr>
+          <a:xfrm>
+            <a:off x="8828106" y="6324747"/>
+            <a:ext cx="1465692" cy="307777"/>
           </a:xfrm>
           <a:prstGeom prst="rect">
             <a:avLst/>
